--- a/Presentation.pptx
+++ b/Presentation.pptx
@@ -9,7 +9,9 @@
     <p:sldId id="258" r:id="rId3"/>
     <p:sldId id="260" r:id="rId4"/>
     <p:sldId id="261" r:id="rId5"/>
-    <p:sldId id="259" r:id="rId6"/>
+    <p:sldId id="262" r:id="rId6"/>
+    <p:sldId id="263" r:id="rId7"/>
+    <p:sldId id="259" r:id="rId8"/>
   </p:sldIdLst>
   <p:sldSz cx="9144000" cy="6858000" type="screen4x3"/>
   <p:notesSz cx="6858000" cy="9144000"/>
@@ -417,7 +419,7 @@
           <a:p>
             <a:fld id="{7BA8D592-44CD-43F7-8B68-8142C29E8BEB}" type="datetimeFigureOut">
               <a:rPr lang="ru-RU" smtClean="0"/>
-              <a:t>26.10.2022</a:t>
+              <a:t>21.12.2022</a:t>
             </a:fld>
             <a:endParaRPr lang="ru-RU"/>
           </a:p>
@@ -602,7 +604,7 @@
           <a:p>
             <a:fld id="{7BA8D592-44CD-43F7-8B68-8142C29E8BEB}" type="datetimeFigureOut">
               <a:rPr lang="ru-RU" smtClean="0"/>
-              <a:t>26.10.2022</a:t>
+              <a:t>21.12.2022</a:t>
             </a:fld>
             <a:endParaRPr lang="ru-RU"/>
           </a:p>
@@ -787,7 +789,7 @@
           <a:p>
             <a:fld id="{7BA8D592-44CD-43F7-8B68-8142C29E8BEB}" type="datetimeFigureOut">
               <a:rPr lang="ru-RU" smtClean="0"/>
-              <a:t>26.10.2022</a:t>
+              <a:t>21.12.2022</a:t>
             </a:fld>
             <a:endParaRPr lang="ru-RU"/>
           </a:p>
@@ -972,7 +974,7 @@
           <a:p>
             <a:fld id="{7BA8D592-44CD-43F7-8B68-8142C29E8BEB}" type="datetimeFigureOut">
               <a:rPr lang="ru-RU" smtClean="0"/>
-              <a:t>26.10.2022</a:t>
+              <a:t>21.12.2022</a:t>
             </a:fld>
             <a:endParaRPr lang="ru-RU"/>
           </a:p>
@@ -1353,7 +1355,7 @@
           <a:p>
             <a:fld id="{7BA8D592-44CD-43F7-8B68-8142C29E8BEB}" type="datetimeFigureOut">
               <a:rPr lang="ru-RU" smtClean="0"/>
-              <a:t>26.10.2022</a:t>
+              <a:t>21.12.2022</a:t>
             </a:fld>
             <a:endParaRPr lang="ru-RU"/>
           </a:p>
@@ -1622,7 +1624,7 @@
           <a:p>
             <a:fld id="{7BA8D592-44CD-43F7-8B68-8142C29E8BEB}" type="datetimeFigureOut">
               <a:rPr lang="ru-RU" smtClean="0"/>
-              <a:t>26.10.2022</a:t>
+              <a:t>21.12.2022</a:t>
             </a:fld>
             <a:endParaRPr lang="ru-RU"/>
           </a:p>
@@ -2007,7 +2009,7 @@
           <a:p>
             <a:fld id="{7BA8D592-44CD-43F7-8B68-8142C29E8BEB}" type="datetimeFigureOut">
               <a:rPr lang="ru-RU" smtClean="0"/>
-              <a:t>26.10.2022</a:t>
+              <a:t>21.12.2022</a:t>
             </a:fld>
             <a:endParaRPr lang="ru-RU"/>
           </a:p>
@@ -2128,7 +2130,7 @@
           <a:p>
             <a:fld id="{7BA8D592-44CD-43F7-8B68-8142C29E8BEB}" type="datetimeFigureOut">
               <a:rPr lang="ru-RU" smtClean="0"/>
-              <a:t>26.10.2022</a:t>
+              <a:t>21.12.2022</a:t>
             </a:fld>
             <a:endParaRPr lang="ru-RU"/>
           </a:p>
@@ -2308,7 +2310,7 @@
           <a:p>
             <a:fld id="{7BA8D592-44CD-43F7-8B68-8142C29E8BEB}" type="datetimeFigureOut">
               <a:rPr lang="ru-RU" smtClean="0"/>
-              <a:t>26.10.2022</a:t>
+              <a:t>21.12.2022</a:t>
             </a:fld>
             <a:endParaRPr lang="ru-RU"/>
           </a:p>
@@ -2642,7 +2644,7 @@
           <a:p>
             <a:fld id="{7BA8D592-44CD-43F7-8B68-8142C29E8BEB}" type="datetimeFigureOut">
               <a:rPr lang="ru-RU" smtClean="0"/>
-              <a:t>26.10.2022</a:t>
+              <a:t>21.12.2022</a:t>
             </a:fld>
             <a:endParaRPr lang="ru-RU"/>
           </a:p>
@@ -3011,7 +3013,7 @@
           <a:p>
             <a:fld id="{7BA8D592-44CD-43F7-8B68-8142C29E8BEB}" type="datetimeFigureOut">
               <a:rPr lang="ru-RU" smtClean="0"/>
-              <a:t>26.10.2022</a:t>
+              <a:t>21.12.2022</a:t>
             </a:fld>
             <a:endParaRPr lang="ru-RU"/>
           </a:p>
@@ -3429,7 +3431,7 @@
           <a:p>
             <a:fld id="{7BA8D592-44CD-43F7-8B68-8142C29E8BEB}" type="datetimeFigureOut">
               <a:rPr lang="ru-RU" smtClean="0"/>
-              <a:t>26.10.2022</a:t>
+              <a:t>21.12.2022</a:t>
             </a:fld>
             <a:endParaRPr lang="ru-RU"/>
           </a:p>
@@ -3892,11 +3894,7 @@
             </a:r>
             <a:r>
               <a:rPr lang="ru-RU" dirty="0" smtClean="0"/>
-              <a:t>-бот </a:t>
-            </a:r>
-            <a:r>
-              <a:rPr lang="ru-RU" dirty="0" smtClean="0"/>
-              <a:t>для упрощения взаимодействий в обучающейся группе</a:t>
+              <a:t>-бот для упрощения взаимодействий в обучающейся группе</a:t>
             </a:r>
             <a:endParaRPr lang="ru-RU" dirty="0"/>
           </a:p>
@@ -4037,17 +4035,21 @@
           <a:p>
             <a:r>
               <a:rPr lang="ru-RU" dirty="0" smtClean="0"/>
-              <a:t>Легко </a:t>
-            </a:r>
+              <a:t>Легко дополняется желаемыми функциями</a:t>
+            </a:r>
+          </a:p>
+          <a:p>
             <a:r>
               <a:rPr lang="ru-RU" dirty="0" smtClean="0"/>
-              <a:t>дополняется желаемыми функциями</a:t>
-            </a:r>
-          </a:p>
-          <a:p>
+              <a:t>Проект с </a:t>
+            </a:r>
             <a:r>
               <a:rPr lang="ru-RU" dirty="0" smtClean="0"/>
-              <a:t>Проект с открытыми кодом</a:t>
+              <a:t>открытым </a:t>
+            </a:r>
+            <a:r>
+              <a:rPr lang="ru-RU" dirty="0" smtClean="0"/>
+              <a:t>кодом</a:t>
             </a:r>
             <a:endParaRPr lang="ru-RU" dirty="0"/>
           </a:p>
@@ -4167,8 +4169,21 @@
             <a:pPr lvl="1"/>
             <a:r>
               <a:rPr lang="ru-RU" dirty="0" smtClean="0"/>
-              <a:t>Выставить результаты</a:t>
-            </a:r>
+              <a:t>Выставить </a:t>
+            </a:r>
+            <a:r>
+              <a:rPr lang="ru-RU" dirty="0" smtClean="0"/>
+              <a:t>результаты</a:t>
+            </a:r>
+            <a:endParaRPr lang="en-US" dirty="0" smtClean="0"/>
+          </a:p>
+          <a:p>
+            <a:pPr lvl="1"/>
+            <a:r>
+              <a:rPr lang="ru-RU" dirty="0" smtClean="0"/>
+              <a:t>Оставить учащемуся комментарий</a:t>
+            </a:r>
+            <a:endParaRPr lang="ru-RU" dirty="0" smtClean="0"/>
           </a:p>
           <a:p>
             <a:r>
@@ -4187,21 +4202,22 @@
             <a:pPr lvl="1"/>
             <a:r>
               <a:rPr lang="ru-RU" dirty="0" smtClean="0"/>
-              <a:t>Посмотреть текущие</a:t>
+              <a:t>Посмотреть </a:t>
+            </a:r>
+            <a:r>
+              <a:rPr lang="ru-RU" dirty="0" smtClean="0"/>
+              <a:t>текущие</a:t>
             </a:r>
           </a:p>
           <a:p>
             <a:pPr lvl="1"/>
             <a:r>
               <a:rPr lang="ru-RU" dirty="0" smtClean="0"/>
-              <a:t>Посмотреть свои оценки</a:t>
-            </a:r>
-          </a:p>
-          <a:p>
-            <a:pPr lvl="1"/>
+              <a:t>Посмотреть </a:t>
+            </a:r>
             <a:r>
               <a:rPr lang="ru-RU" dirty="0" smtClean="0"/>
-              <a:t>Посмотреть результаты всех (рейтинг)</a:t>
+              <a:t>результаты всех (рейтинг)</a:t>
             </a:r>
           </a:p>
           <a:p>
@@ -4295,39 +4311,43 @@
           <a:lstStyle/>
           <a:p>
             <a:r>
-              <a:rPr lang="ru-RU" dirty="0" smtClean="0"/>
-              <a:t>Проще, чем </a:t>
-            </a:r>
-            <a:r>
-              <a:rPr lang="en-US" dirty="0" smtClean="0"/>
-              <a:t>VCS.</a:t>
-            </a:r>
-            <a:endParaRPr lang="ru-RU" dirty="0" smtClean="0"/>
-          </a:p>
-          <a:p>
-            <a:r>
-              <a:rPr lang="ru-RU" dirty="0" smtClean="0"/>
-              <a:t>Упрощает организационные моменты.</a:t>
-            </a:r>
-            <a:endParaRPr lang="ru-RU" dirty="0"/>
-          </a:p>
-          <a:p>
-            <a:r>
-              <a:rPr lang="ru-RU" dirty="0" smtClean="0"/>
+              <a:rPr lang="ru-RU" sz="3600" dirty="0" smtClean="0"/>
+              <a:t>Упрощает </a:t>
+            </a:r>
+            <a:r>
+              <a:rPr lang="ru-RU" sz="3600" dirty="0" smtClean="0"/>
+              <a:t>организационные моменты.</a:t>
+            </a:r>
+            <a:endParaRPr lang="ru-RU" sz="3600" dirty="0"/>
+          </a:p>
+          <a:p>
+            <a:r>
+              <a:rPr lang="ru-RU" sz="3600" dirty="0" smtClean="0"/>
               <a:t>Уменьшение ненужного контакта.</a:t>
             </a:r>
           </a:p>
           <a:p>
             <a:r>
-              <a:rPr lang="ru-RU" dirty="0" smtClean="0"/>
+              <a:rPr lang="ru-RU" sz="3600" dirty="0" smtClean="0"/>
               <a:t>Удобно хранить все в одном месте.</a:t>
             </a:r>
           </a:p>
           <a:p>
             <a:r>
-              <a:rPr lang="ru-RU" dirty="0" smtClean="0"/>
-              <a:t>Легко расширяется.</a:t>
-            </a:r>
+              <a:rPr lang="ru-RU" sz="3600" dirty="0" smtClean="0"/>
+              <a:t>Легко расширяется</a:t>
+            </a:r>
+            <a:r>
+              <a:rPr lang="ru-RU" sz="3600" dirty="0" smtClean="0"/>
+              <a:t>.</a:t>
+            </a:r>
+          </a:p>
+          <a:p>
+            <a:r>
+              <a:rPr lang="ru-RU" sz="3600" dirty="0" smtClean="0"/>
+              <a:t>…</a:t>
+            </a:r>
+            <a:endParaRPr lang="ru-RU" sz="3600" dirty="0" smtClean="0"/>
           </a:p>
         </p:txBody>
       </p:sp>
@@ -4447,6 +4467,246 @@
 </file>
 
 <file path=ppt/slides/slide5.xml><?xml version="1.0" encoding="utf-8"?>
+<p:sld xmlns:a="http://schemas.openxmlformats.org/drawingml/2006/main" xmlns:r="http://schemas.openxmlformats.org/officeDocument/2006/relationships" xmlns:p="http://schemas.openxmlformats.org/presentationml/2006/main">
+  <p:cSld>
+    <p:spTree>
+      <p:nvGrpSpPr>
+        <p:cNvPr id="1" name=""/>
+        <p:cNvGrpSpPr/>
+        <p:nvPr/>
+      </p:nvGrpSpPr>
+      <p:grpSpPr>
+        <a:xfrm>
+          <a:off x="0" y="0"/>
+          <a:ext cx="0" cy="0"/>
+          <a:chOff x="0" y="0"/>
+          <a:chExt cx="0" cy="0"/>
+        </a:xfrm>
+      </p:grpSpPr>
+      <p:sp>
+        <p:nvSpPr>
+          <p:cNvPr id="5" name="Заголовок 4"/>
+          <p:cNvSpPr>
+            <a:spLocks noGrp="1"/>
+          </p:cNvSpPr>
+          <p:nvPr>
+            <p:ph type="title"/>
+          </p:nvPr>
+        </p:nvSpPr>
+        <p:spPr>
+          <a:xfrm>
+            <a:off x="467544" y="620688"/>
+            <a:ext cx="8183880" cy="1051560"/>
+          </a:xfrm>
+        </p:spPr>
+        <p:txBody>
+          <a:bodyPr>
+            <a:normAutofit fontScale="90000"/>
+          </a:bodyPr>
+          <a:lstStyle/>
+          <a:p>
+            <a:r>
+              <a:rPr lang="ru-RU" dirty="0" smtClean="0"/>
+              <a:t>Диаграмма обработки запроса</a:t>
+            </a:r>
+            <a:endParaRPr lang="ru-RU" dirty="0"/>
+          </a:p>
+        </p:txBody>
+      </p:sp>
+      <p:pic>
+        <p:nvPicPr>
+          <p:cNvPr id="1026" name="Picture 2"/>
+          <p:cNvPicPr>
+            <a:picLocks noChangeAspect="1" noChangeArrowheads="1"/>
+          </p:cNvPicPr>
+          <p:nvPr/>
+        </p:nvPicPr>
+        <p:blipFill>
+          <a:blip r:embed="rId2">
+            <a:extLst>
+              <a:ext uri="{28A0092B-C50C-407E-A947-70E740481C1C}">
+                <a14:useLocalDpi xmlns:a14="http://schemas.microsoft.com/office/drawing/2010/main" val="0"/>
+              </a:ext>
+            </a:extLst>
+          </a:blip>
+          <a:srcRect/>
+          <a:stretch>
+            <a:fillRect/>
+          </a:stretch>
+        </p:blipFill>
+        <p:spPr bwMode="auto">
+          <a:xfrm>
+            <a:off x="529557" y="2060848"/>
+            <a:ext cx="8064897" cy="3615299"/>
+          </a:xfrm>
+          <a:prstGeom prst="rect">
+            <a:avLst/>
+          </a:prstGeom>
+          <a:noFill/>
+          <a:ln>
+            <a:noFill/>
+          </a:ln>
+          <a:extLst>
+            <a:ext uri="{909E8E84-426E-40DD-AFC4-6F175D3DCCD1}">
+              <a14:hiddenFill xmlns:a14="http://schemas.microsoft.com/office/drawing/2010/main">
+                <a:solidFill>
+                  <a:schemeClr val="accent1"/>
+                </a:solidFill>
+              </a14:hiddenFill>
+            </a:ext>
+            <a:ext uri="{91240B29-F687-4F45-9708-019B960494DF}">
+              <a14:hiddenLine xmlns:a14="http://schemas.microsoft.com/office/drawing/2010/main" w="9525">
+                <a:solidFill>
+                  <a:schemeClr val="tx1"/>
+                </a:solidFill>
+                <a:miter lim="800000"/>
+                <a:headEnd/>
+                <a:tailEnd/>
+              </a14:hiddenLine>
+            </a:ext>
+          </a:extLst>
+        </p:spPr>
+      </p:pic>
+    </p:spTree>
+    <p:extLst>
+      <p:ext uri="{BB962C8B-B14F-4D97-AF65-F5344CB8AC3E}">
+        <p14:creationId xmlns:p14="http://schemas.microsoft.com/office/powerpoint/2010/main" val="1137980780"/>
+      </p:ext>
+    </p:extLst>
+  </p:cSld>
+  <p:clrMapOvr>
+    <a:masterClrMapping/>
+  </p:clrMapOvr>
+  <p:timing>
+    <p:tnLst>
+      <p:par>
+        <p:cTn id="1" dur="indefinite" restart="never" nodeType="tmRoot"/>
+      </p:par>
+    </p:tnLst>
+  </p:timing>
+</p:sld>
+</file>
+
+<file path=ppt/slides/slide6.xml><?xml version="1.0" encoding="utf-8"?>
+<p:sld xmlns:a="http://schemas.openxmlformats.org/drawingml/2006/main" xmlns:r="http://schemas.openxmlformats.org/officeDocument/2006/relationships" xmlns:p="http://schemas.openxmlformats.org/presentationml/2006/main">
+  <p:cSld>
+    <p:spTree>
+      <p:nvGrpSpPr>
+        <p:cNvPr id="1" name=""/>
+        <p:cNvGrpSpPr/>
+        <p:nvPr/>
+      </p:nvGrpSpPr>
+      <p:grpSpPr>
+        <a:xfrm>
+          <a:off x="0" y="0"/>
+          <a:ext cx="0" cy="0"/>
+          <a:chOff x="0" y="0"/>
+          <a:chExt cx="0" cy="0"/>
+        </a:xfrm>
+      </p:grpSpPr>
+      <p:sp>
+        <p:nvSpPr>
+          <p:cNvPr id="2" name="Заголовок 1"/>
+          <p:cNvSpPr>
+            <a:spLocks noGrp="1"/>
+          </p:cNvSpPr>
+          <p:nvPr>
+            <p:ph type="title"/>
+          </p:nvPr>
+        </p:nvSpPr>
+        <p:spPr>
+          <a:xfrm>
+            <a:off x="467544" y="2219"/>
+            <a:ext cx="8183880" cy="1051560"/>
+          </a:xfrm>
+        </p:spPr>
+        <p:txBody>
+          <a:bodyPr/>
+          <a:lstStyle/>
+          <a:p>
+            <a:r>
+              <a:rPr lang="ru-RU" dirty="0" smtClean="0"/>
+              <a:t>Диаграмма генерации ответа</a:t>
+            </a:r>
+            <a:endParaRPr lang="ru-RU" dirty="0"/>
+          </a:p>
+        </p:txBody>
+      </p:sp>
+      <p:pic>
+        <p:nvPicPr>
+          <p:cNvPr id="2050" name="Picture 2"/>
+          <p:cNvPicPr>
+            <a:picLocks noChangeAspect="1" noChangeArrowheads="1"/>
+          </p:cNvPicPr>
+          <p:nvPr/>
+        </p:nvPicPr>
+        <p:blipFill>
+          <a:blip r:embed="rId2">
+            <a:extLst>
+              <a:ext uri="{28A0092B-C50C-407E-A947-70E740481C1C}">
+                <a14:useLocalDpi xmlns:a14="http://schemas.microsoft.com/office/drawing/2010/main" val="0"/>
+              </a:ext>
+            </a:extLst>
+          </a:blip>
+          <a:srcRect/>
+          <a:stretch>
+            <a:fillRect/>
+          </a:stretch>
+        </p:blipFill>
+        <p:spPr bwMode="auto">
+          <a:xfrm>
+            <a:off x="1321471" y="1124744"/>
+            <a:ext cx="6264696" cy="5124331"/>
+          </a:xfrm>
+          <a:prstGeom prst="rect">
+            <a:avLst/>
+          </a:prstGeom>
+          <a:noFill/>
+          <a:ln>
+            <a:noFill/>
+          </a:ln>
+          <a:extLst>
+            <a:ext uri="{909E8E84-426E-40DD-AFC4-6F175D3DCCD1}">
+              <a14:hiddenFill xmlns:a14="http://schemas.microsoft.com/office/drawing/2010/main">
+                <a:solidFill>
+                  <a:schemeClr val="accent1"/>
+                </a:solidFill>
+              </a14:hiddenFill>
+            </a:ext>
+            <a:ext uri="{91240B29-F687-4F45-9708-019B960494DF}">
+              <a14:hiddenLine xmlns:a14="http://schemas.microsoft.com/office/drawing/2010/main" w="9525">
+                <a:solidFill>
+                  <a:schemeClr val="tx1"/>
+                </a:solidFill>
+                <a:miter lim="800000"/>
+                <a:headEnd/>
+                <a:tailEnd/>
+              </a14:hiddenLine>
+            </a:ext>
+          </a:extLst>
+        </p:spPr>
+      </p:pic>
+    </p:spTree>
+    <p:extLst>
+      <p:ext uri="{BB962C8B-B14F-4D97-AF65-F5344CB8AC3E}">
+        <p14:creationId xmlns:p14="http://schemas.microsoft.com/office/powerpoint/2010/main" val="698791655"/>
+      </p:ext>
+    </p:extLst>
+  </p:cSld>
+  <p:clrMapOvr>
+    <a:masterClrMapping/>
+  </p:clrMapOvr>
+  <p:timing>
+    <p:tnLst>
+      <p:par>
+        <p:cTn id="1" dur="indefinite" restart="never" nodeType="tmRoot"/>
+      </p:par>
+    </p:tnLst>
+  </p:timing>
+</p:sld>
+</file>
+
+<file path=ppt/slides/slide7.xml><?xml version="1.0" encoding="utf-8"?>
 <p:sld xmlns:a="http://schemas.openxmlformats.org/drawingml/2006/main" xmlns:r="http://schemas.openxmlformats.org/officeDocument/2006/relationships" xmlns:p="http://schemas.openxmlformats.org/presentationml/2006/main">
   <p:cSld>
     <p:spTree>

--- a/Presentation.pptx
+++ b/Presentation.pptx
@@ -8,10 +8,12 @@
     <p:sldId id="256" r:id="rId2"/>
     <p:sldId id="258" r:id="rId3"/>
     <p:sldId id="260" r:id="rId4"/>
-    <p:sldId id="261" r:id="rId5"/>
-    <p:sldId id="262" r:id="rId6"/>
-    <p:sldId id="263" r:id="rId7"/>
-    <p:sldId id="259" r:id="rId8"/>
+    <p:sldId id="262" r:id="rId5"/>
+    <p:sldId id="263" r:id="rId6"/>
+    <p:sldId id="266" r:id="rId7"/>
+    <p:sldId id="264" r:id="rId8"/>
+    <p:sldId id="265" r:id="rId9"/>
+    <p:sldId id="259" r:id="rId10"/>
   </p:sldIdLst>
   <p:sldSz cx="9144000" cy="6858000" type="screen4x3"/>
   <p:notesSz cx="6858000" cy="9144000"/>
@@ -3894,7 +3896,11 @@
             </a:r>
             <a:r>
               <a:rPr lang="ru-RU" dirty="0" smtClean="0"/>
-              <a:t>-бот для упрощения взаимодействий в обучающейся группе</a:t>
+              <a:t>-бот для упрощения взаимодействий в </a:t>
+            </a:r>
+            <a:r>
+              <a:rPr lang="ru-RU" dirty="0" smtClean="0"/>
+              <a:t>обучении</a:t>
             </a:r>
             <a:endParaRPr lang="ru-RU" dirty="0"/>
           </a:p>
@@ -3978,30 +3984,12 @@
             <p:ph type="title"/>
           </p:nvPr>
         </p:nvSpPr>
-        <p:spPr/>
-        <p:txBody>
-          <a:bodyPr/>
-          <a:lstStyle/>
-          <a:p>
-            <a:r>
-              <a:rPr lang="ru-RU" dirty="0" smtClean="0"/>
-              <a:t>Что оно умеет?</a:t>
-            </a:r>
-            <a:endParaRPr lang="ru-RU" dirty="0"/>
-          </a:p>
-        </p:txBody>
-      </p:sp>
-      <p:sp>
-        <p:nvSpPr>
-          <p:cNvPr id="3" name="Объект 2"/>
-          <p:cNvSpPr>
-            <a:spLocks noGrp="1"/>
-          </p:cNvSpPr>
-          <p:nvPr>
-            <p:ph idx="1"/>
-          </p:nvPr>
-        </p:nvSpPr>
-        <p:spPr/>
+        <p:spPr>
+          <a:xfrm>
+            <a:off x="467544" y="4725144"/>
+            <a:ext cx="8183880" cy="1051560"/>
+          </a:xfrm>
+        </p:spPr>
         <p:txBody>
           <a:bodyPr>
             <a:normAutofit/>
@@ -4010,6 +3998,31 @@
           <a:p>
             <a:r>
               <a:rPr lang="ru-RU" dirty="0" smtClean="0"/>
+              <a:t>Зачем?</a:t>
+            </a:r>
+            <a:endParaRPr lang="ru-RU" dirty="0"/>
+          </a:p>
+        </p:txBody>
+      </p:sp>
+      <p:sp>
+        <p:nvSpPr>
+          <p:cNvPr id="3" name="Объект 2"/>
+          <p:cNvSpPr>
+            <a:spLocks noGrp="1"/>
+          </p:cNvSpPr>
+          <p:nvPr>
+            <p:ph idx="1"/>
+          </p:nvPr>
+        </p:nvSpPr>
+        <p:spPr/>
+        <p:txBody>
+          <a:bodyPr>
+            <a:normAutofit fontScale="92500"/>
+          </a:bodyPr>
+          <a:lstStyle/>
+          <a:p>
+            <a:r>
+              <a:rPr lang="ru-RU" dirty="0" smtClean="0"/>
               <a:t>Упрощение проверки работ</a:t>
             </a:r>
           </a:p>
@@ -4041,17 +4054,30 @@
           <a:p>
             <a:r>
               <a:rPr lang="ru-RU" dirty="0" smtClean="0"/>
-              <a:t>Проект с </a:t>
-            </a:r>
-            <a:r>
-              <a:rPr lang="ru-RU" dirty="0" smtClean="0"/>
-              <a:t>открытым </a:t>
+              <a:t>Проект с открытым </a:t>
             </a:r>
             <a:r>
               <a:rPr lang="ru-RU" dirty="0" smtClean="0"/>
               <a:t>кодом</a:t>
             </a:r>
-            <a:endParaRPr lang="ru-RU" dirty="0"/>
+          </a:p>
+          <a:p>
+            <a:r>
+              <a:rPr lang="ru-RU" dirty="0" smtClean="0"/>
+              <a:t>Данные хранятся в одном месте</a:t>
+            </a:r>
+          </a:p>
+          <a:p>
+            <a:r>
+              <a:rPr lang="ru-RU" dirty="0" smtClean="0"/>
+              <a:t>Упрощает организационные моменты</a:t>
+            </a:r>
+          </a:p>
+          <a:p>
+            <a:r>
+              <a:rPr lang="ru-RU" dirty="0" smtClean="0"/>
+              <a:t>Легко расширяется</a:t>
+            </a:r>
           </a:p>
         </p:txBody>
       </p:sp>
@@ -4102,7 +4128,12 @@
             <p:ph type="title"/>
           </p:nvPr>
         </p:nvSpPr>
-        <p:spPr/>
+        <p:spPr>
+          <a:xfrm>
+            <a:off x="467544" y="4725144"/>
+            <a:ext cx="8183880" cy="1051560"/>
+          </a:xfrm>
+        </p:spPr>
         <p:txBody>
           <a:bodyPr/>
           <a:lstStyle/>
@@ -4128,33 +4159,20 @@
         <p:spPr/>
         <p:txBody>
           <a:bodyPr>
-            <a:normAutofit fontScale="92500" lnSpcReduction="10000"/>
+            <a:normAutofit/>
           </a:bodyPr>
           <a:lstStyle/>
           <a:p>
-            <a:pPr marL="0" indent="0">
-              <a:buNone/>
-            </a:pPr>
             <a:r>
               <a:rPr lang="ru-RU" dirty="0" smtClean="0"/>
-              <a:t>Регистрация.</a:t>
-            </a:r>
-          </a:p>
-          <a:p>
+              <a:t>Выложить </a:t>
+            </a:r>
             <a:r>
               <a:rPr lang="ru-RU" dirty="0" smtClean="0"/>
-              <a:t>Преподаватель:</a:t>
-            </a:r>
-          </a:p>
-          <a:p>
-            <a:pPr lvl="1"/>
-            <a:r>
-              <a:rPr lang="ru-RU" dirty="0" smtClean="0"/>
-              <a:t>Выложить домашнее задание</a:t>
-            </a:r>
-          </a:p>
-          <a:p>
-            <a:pPr lvl="1"/>
+              <a:t>домашнее задание</a:t>
+            </a:r>
+          </a:p>
+          <a:p>
             <a:r>
               <a:rPr lang="ru-RU" dirty="0" smtClean="0"/>
               <a:t>Переставить </a:t>
@@ -4166,65 +4184,44 @@
             <a:endParaRPr lang="ru-RU" dirty="0" smtClean="0"/>
           </a:p>
           <a:p>
-            <a:pPr lvl="1"/>
             <a:r>
               <a:rPr lang="ru-RU" dirty="0" smtClean="0"/>
-              <a:t>Выставить </a:t>
-            </a:r>
-            <a:r>
-              <a:rPr lang="ru-RU" dirty="0" smtClean="0"/>
-              <a:t>результаты</a:t>
+              <a:t>Выставить результаты</a:t>
             </a:r>
             <a:endParaRPr lang="en-US" dirty="0" smtClean="0"/>
           </a:p>
           <a:p>
-            <a:pPr lvl="1"/>
             <a:r>
               <a:rPr lang="ru-RU" dirty="0" smtClean="0"/>
               <a:t>Оставить учащемуся комментарий</a:t>
             </a:r>
+          </a:p>
+          <a:p>
+            <a:r>
+              <a:rPr lang="ru-RU" dirty="0" smtClean="0"/>
+              <a:t>Сдать </a:t>
+            </a:r>
+            <a:r>
+              <a:rPr lang="ru-RU" dirty="0" smtClean="0"/>
+              <a:t>задание</a:t>
+            </a:r>
+          </a:p>
+          <a:p>
+            <a:r>
+              <a:rPr lang="ru-RU" dirty="0" smtClean="0"/>
+              <a:t>Посмотреть текущие</a:t>
+            </a:r>
+          </a:p>
+          <a:p>
+            <a:r>
+              <a:rPr lang="ru-RU" dirty="0" smtClean="0"/>
+              <a:t>Посмотреть результаты всех (рейтинг</a:t>
+            </a:r>
+            <a:r>
+              <a:rPr lang="ru-RU" dirty="0" smtClean="0"/>
+              <a:t>)</a:t>
+            </a:r>
             <a:endParaRPr lang="ru-RU" dirty="0" smtClean="0"/>
-          </a:p>
-          <a:p>
-            <a:r>
-              <a:rPr lang="ru-RU" dirty="0" smtClean="0"/>
-              <a:t>Школьник:</a:t>
-            </a:r>
-          </a:p>
-          <a:p>
-            <a:pPr lvl="1"/>
-            <a:r>
-              <a:rPr lang="ru-RU" dirty="0" smtClean="0"/>
-              <a:t>Сдать задание</a:t>
-            </a:r>
-          </a:p>
-          <a:p>
-            <a:pPr lvl="1"/>
-            <a:r>
-              <a:rPr lang="ru-RU" dirty="0" smtClean="0"/>
-              <a:t>Посмотреть </a:t>
-            </a:r>
-            <a:r>
-              <a:rPr lang="ru-RU" dirty="0" smtClean="0"/>
-              <a:t>текущие</a:t>
-            </a:r>
-          </a:p>
-          <a:p>
-            <a:pPr lvl="1"/>
-            <a:r>
-              <a:rPr lang="ru-RU" dirty="0" smtClean="0"/>
-              <a:t>Посмотреть </a:t>
-            </a:r>
-            <a:r>
-              <a:rPr lang="ru-RU" dirty="0" smtClean="0"/>
-              <a:t>результаты всех (рейтинг)</a:t>
-            </a:r>
-          </a:p>
-          <a:p>
-            <a:r>
-              <a:rPr lang="ru-RU" dirty="0" smtClean="0"/>
-              <a:t>…</a:t>
-            </a:r>
           </a:p>
         </p:txBody>
       </p:sp>
@@ -4249,224 +4246,6 @@
 </file>
 
 <file path=ppt/slides/slide4.xml><?xml version="1.0" encoding="utf-8"?>
-<p:sld xmlns:a="http://schemas.openxmlformats.org/drawingml/2006/main" xmlns:r="http://schemas.openxmlformats.org/officeDocument/2006/relationships" xmlns:p="http://schemas.openxmlformats.org/presentationml/2006/main">
-  <p:cSld>
-    <p:spTree>
-      <p:nvGrpSpPr>
-        <p:cNvPr id="1" name=""/>
-        <p:cNvGrpSpPr/>
-        <p:nvPr/>
-      </p:nvGrpSpPr>
-      <p:grpSpPr>
-        <a:xfrm>
-          <a:off x="0" y="0"/>
-          <a:ext cx="0" cy="0"/>
-          <a:chOff x="0" y="0"/>
-          <a:chExt cx="0" cy="0"/>
-        </a:xfrm>
-      </p:grpSpPr>
-      <p:sp>
-        <p:nvSpPr>
-          <p:cNvPr id="2" name="Заголовок 1"/>
-          <p:cNvSpPr>
-            <a:spLocks noGrp="1"/>
-          </p:cNvSpPr>
-          <p:nvPr>
-            <p:ph type="title"/>
-          </p:nvPr>
-        </p:nvSpPr>
-        <p:spPr/>
-        <p:txBody>
-          <a:bodyPr/>
-          <a:lstStyle/>
-          <a:p>
-            <a:r>
-              <a:rPr lang="ru-RU" dirty="0" smtClean="0"/>
-              <a:t>Зачем?</a:t>
-            </a:r>
-            <a:endParaRPr lang="ru-RU" dirty="0"/>
-          </a:p>
-        </p:txBody>
-      </p:sp>
-      <p:sp>
-        <p:nvSpPr>
-          <p:cNvPr id="3" name="Объект 2"/>
-          <p:cNvSpPr>
-            <a:spLocks noGrp="1"/>
-          </p:cNvSpPr>
-          <p:nvPr>
-            <p:ph sz="half" idx="1"/>
-          </p:nvPr>
-        </p:nvSpPr>
-        <p:spPr>
-          <a:xfrm>
-            <a:off x="514352" y="530352"/>
-            <a:ext cx="8090096" cy="4389120"/>
-          </a:xfrm>
-        </p:spPr>
-        <p:txBody>
-          <a:bodyPr>
-            <a:normAutofit fontScale="85000" lnSpcReduction="20000"/>
-          </a:bodyPr>
-          <a:lstStyle/>
-          <a:p>
-            <a:r>
-              <a:rPr lang="ru-RU" sz="3600" dirty="0" smtClean="0"/>
-              <a:t>Упрощает </a:t>
-            </a:r>
-            <a:r>
-              <a:rPr lang="ru-RU" sz="3600" dirty="0" smtClean="0"/>
-              <a:t>организационные моменты.</a:t>
-            </a:r>
-            <a:endParaRPr lang="ru-RU" sz="3600" dirty="0"/>
-          </a:p>
-          <a:p>
-            <a:r>
-              <a:rPr lang="ru-RU" sz="3600" dirty="0" smtClean="0"/>
-              <a:t>Уменьшение ненужного контакта.</a:t>
-            </a:r>
-          </a:p>
-          <a:p>
-            <a:r>
-              <a:rPr lang="ru-RU" sz="3600" dirty="0" smtClean="0"/>
-              <a:t>Удобно хранить все в одном месте.</a:t>
-            </a:r>
-          </a:p>
-          <a:p>
-            <a:r>
-              <a:rPr lang="ru-RU" sz="3600" dirty="0" smtClean="0"/>
-              <a:t>Легко расширяется</a:t>
-            </a:r>
-            <a:r>
-              <a:rPr lang="ru-RU" sz="3600" dirty="0" smtClean="0"/>
-              <a:t>.</a:t>
-            </a:r>
-          </a:p>
-          <a:p>
-            <a:r>
-              <a:rPr lang="ru-RU" sz="3600" dirty="0" smtClean="0"/>
-              <a:t>…</a:t>
-            </a:r>
-            <a:endParaRPr lang="ru-RU" sz="3600" dirty="0" smtClean="0"/>
-          </a:p>
-        </p:txBody>
-      </p:sp>
-      <p:sp>
-        <p:nvSpPr>
-          <p:cNvPr id="6" name="Объект 5"/>
-          <p:cNvSpPr>
-            <a:spLocks noGrp="1"/>
-          </p:cNvSpPr>
-          <p:nvPr>
-            <p:ph sz="half" idx="2"/>
-          </p:nvPr>
-        </p:nvSpPr>
-        <p:spPr>
-          <a:xfrm>
-            <a:off x="9396536" y="548680"/>
-            <a:ext cx="3931920" cy="4389120"/>
-          </a:xfrm>
-        </p:spPr>
-        <p:txBody>
-          <a:bodyPr>
-            <a:normAutofit fontScale="85000" lnSpcReduction="20000"/>
-          </a:bodyPr>
-          <a:lstStyle/>
-          <a:p>
-            <a:r>
-              <a:rPr lang="ru-RU" dirty="0"/>
-              <a:t>Чем-то это похоже на </a:t>
-            </a:r>
-            <a:r>
-              <a:rPr lang="en-US" dirty="0"/>
-              <a:t>VCS</a:t>
-            </a:r>
-            <a:r>
-              <a:rPr lang="ru-RU" dirty="0"/>
-              <a:t> (</a:t>
-            </a:r>
-            <a:r>
-              <a:rPr lang="en-US" dirty="0" err="1"/>
-              <a:t>git</a:t>
-            </a:r>
-            <a:r>
-              <a:rPr lang="en-US" dirty="0"/>
-              <a:t>, </a:t>
-            </a:r>
-            <a:r>
-              <a:rPr lang="ru-RU" dirty="0"/>
-              <a:t>например). Но вряд ли в начальной школе дети знают про гит. А </a:t>
-            </a:r>
-            <a:r>
-              <a:rPr lang="ru-RU" dirty="0" err="1"/>
-              <a:t>вк</a:t>
-            </a:r>
-            <a:r>
-              <a:rPr lang="ru-RU" dirty="0"/>
-              <a:t> пользуются все</a:t>
-            </a:r>
-            <a:r>
-              <a:rPr lang="ru-RU" dirty="0" smtClean="0"/>
-              <a:t>.</a:t>
-            </a:r>
-            <a:endParaRPr lang="en-US" dirty="0" smtClean="0"/>
-          </a:p>
-          <a:p>
-            <a:r>
-              <a:rPr lang="en-US" dirty="0" smtClean="0"/>
-              <a:t>-//-</a:t>
-            </a:r>
-          </a:p>
-          <a:p>
-            <a:r>
-              <a:rPr lang="ru-RU" dirty="0" smtClean="0"/>
-              <a:t>Была </a:t>
-            </a:r>
-            <a:r>
-              <a:rPr lang="ru-RU" dirty="0" err="1" smtClean="0"/>
-              <a:t>кр</a:t>
-            </a:r>
-            <a:r>
-              <a:rPr lang="ru-RU" dirty="0" smtClean="0"/>
-              <a:t>. Говорят оценки, 5 болеют. Первый выздоровел – дай баллы, второй – дай баллы, … Учитель явно устанет отвечать.</a:t>
-            </a:r>
-          </a:p>
-          <a:p>
-            <a:r>
-              <a:rPr lang="en-US" dirty="0" smtClean="0"/>
-              <a:t>-//-</a:t>
-            </a:r>
-          </a:p>
-          <a:p>
-            <a:r>
-              <a:rPr lang="en-US" dirty="0" smtClean="0"/>
-              <a:t>-//-</a:t>
-            </a:r>
-            <a:endParaRPr lang="ru-RU" dirty="0"/>
-          </a:p>
-        </p:txBody>
-      </p:sp>
-    </p:spTree>
-    <p:extLst>
-      <p:ext uri="{BB962C8B-B14F-4D97-AF65-F5344CB8AC3E}">
-        <p14:creationId xmlns:p14="http://schemas.microsoft.com/office/powerpoint/2010/main" val="1097653863"/>
-      </p:ext>
-    </p:extLst>
-  </p:cSld>
-  <p:clrMapOvr>
-    <a:masterClrMapping/>
-  </p:clrMapOvr>
-  <p:timing>
-    <p:tnLst>
-      <p:par>
-        <p:cTn id="1" dur="indefinite" restart="never" nodeType="tmRoot"/>
-      </p:par>
-    </p:tnLst>
-  </p:timing>
-</p:sld>
-</file>
-
-<file path=ppt/slides/slide5.xml><?xml version="1.0" encoding="utf-8"?>
 <p:sld xmlns:a="http://schemas.openxmlformats.org/drawingml/2006/main" xmlns:r="http://schemas.openxmlformats.org/officeDocument/2006/relationships" xmlns:p="http://schemas.openxmlformats.org/presentationml/2006/main">
   <p:cSld>
     <p:spTree>
@@ -4587,7 +4366,7 @@
 </p:sld>
 </file>
 
-<file path=ppt/slides/slide6.xml><?xml version="1.0" encoding="utf-8"?>
+<file path=ppt/slides/slide5.xml><?xml version="1.0" encoding="utf-8"?>
 <p:sld xmlns:a="http://schemas.openxmlformats.org/drawingml/2006/main" xmlns:r="http://schemas.openxmlformats.org/officeDocument/2006/relationships" xmlns:p="http://schemas.openxmlformats.org/presentationml/2006/main">
   <p:cSld>
     <p:spTree>
@@ -4706,7 +4485,416 @@
 </p:sld>
 </file>
 
+<file path=ppt/slides/slide6.xml><?xml version="1.0" encoding="utf-8"?>
+<p:sld xmlns:a="http://schemas.openxmlformats.org/drawingml/2006/main" xmlns:r="http://schemas.openxmlformats.org/officeDocument/2006/relationships" xmlns:p="http://schemas.openxmlformats.org/presentationml/2006/main">
+  <p:cSld>
+    <p:spTree>
+      <p:nvGrpSpPr>
+        <p:cNvPr id="1" name=""/>
+        <p:cNvGrpSpPr/>
+        <p:nvPr/>
+      </p:nvGrpSpPr>
+      <p:grpSpPr>
+        <a:xfrm>
+          <a:off x="0" y="0"/>
+          <a:ext cx="0" cy="0"/>
+          <a:chOff x="0" y="0"/>
+          <a:chExt cx="0" cy="0"/>
+        </a:xfrm>
+      </p:grpSpPr>
+      <p:sp>
+        <p:nvSpPr>
+          <p:cNvPr id="2" name="Заголовок 1"/>
+          <p:cNvSpPr>
+            <a:spLocks noGrp="1"/>
+          </p:cNvSpPr>
+          <p:nvPr>
+            <p:ph type="title"/>
+          </p:nvPr>
+        </p:nvSpPr>
+        <p:spPr>
+          <a:xfrm>
+            <a:off x="480060" y="548680"/>
+            <a:ext cx="8183880" cy="1051560"/>
+          </a:xfrm>
+        </p:spPr>
+        <p:txBody>
+          <a:bodyPr>
+            <a:normAutofit/>
+          </a:bodyPr>
+          <a:lstStyle/>
+          <a:p>
+            <a:r>
+              <a:rPr lang="ru-RU" dirty="0" smtClean="0"/>
+              <a:t>Диаграмма базы данных</a:t>
+            </a:r>
+            <a:endParaRPr lang="ru-RU" dirty="0"/>
+          </a:p>
+        </p:txBody>
+      </p:sp>
+      <p:pic>
+        <p:nvPicPr>
+          <p:cNvPr id="1026" name="Picture 2"/>
+          <p:cNvPicPr>
+            <a:picLocks noChangeAspect="1" noChangeArrowheads="1"/>
+          </p:cNvPicPr>
+          <p:nvPr/>
+        </p:nvPicPr>
+        <p:blipFill>
+          <a:blip r:embed="rId2">
+            <a:extLst>
+              <a:ext uri="{28A0092B-C50C-407E-A947-70E740481C1C}">
+                <a14:useLocalDpi xmlns:a14="http://schemas.microsoft.com/office/drawing/2010/main" val="0"/>
+              </a:ext>
+            </a:extLst>
+          </a:blip>
+          <a:srcRect/>
+          <a:stretch>
+            <a:fillRect/>
+          </a:stretch>
+        </p:blipFill>
+        <p:spPr bwMode="auto">
+          <a:xfrm>
+            <a:off x="611560" y="2640930"/>
+            <a:ext cx="7939608" cy="1976041"/>
+          </a:xfrm>
+          <a:prstGeom prst="rect">
+            <a:avLst/>
+          </a:prstGeom>
+          <a:noFill/>
+          <a:ln>
+            <a:noFill/>
+          </a:ln>
+          <a:extLst>
+            <a:ext uri="{909E8E84-426E-40DD-AFC4-6F175D3DCCD1}">
+              <a14:hiddenFill xmlns:a14="http://schemas.microsoft.com/office/drawing/2010/main">
+                <a:solidFill>
+                  <a:schemeClr val="accent1"/>
+                </a:solidFill>
+              </a14:hiddenFill>
+            </a:ext>
+            <a:ext uri="{91240B29-F687-4F45-9708-019B960494DF}">
+              <a14:hiddenLine xmlns:a14="http://schemas.microsoft.com/office/drawing/2010/main" w="9525">
+                <a:solidFill>
+                  <a:schemeClr val="tx1"/>
+                </a:solidFill>
+                <a:miter lim="800000"/>
+                <a:headEnd/>
+                <a:tailEnd/>
+              </a14:hiddenLine>
+            </a:ext>
+          </a:extLst>
+        </p:spPr>
+      </p:pic>
+    </p:spTree>
+    <p:extLst>
+      <p:ext uri="{BB962C8B-B14F-4D97-AF65-F5344CB8AC3E}">
+        <p14:creationId xmlns:p14="http://schemas.microsoft.com/office/powerpoint/2010/main" val="4122195323"/>
+      </p:ext>
+    </p:extLst>
+  </p:cSld>
+  <p:clrMapOvr>
+    <a:masterClrMapping/>
+  </p:clrMapOvr>
+  <p:timing>
+    <p:tnLst>
+      <p:par>
+        <p:cTn id="1" dur="indefinite" restart="never" nodeType="tmRoot"/>
+      </p:par>
+    </p:tnLst>
+  </p:timing>
+</p:sld>
+</file>
+
 <file path=ppt/slides/slide7.xml><?xml version="1.0" encoding="utf-8"?>
+<p:sld xmlns:a="http://schemas.openxmlformats.org/drawingml/2006/main" xmlns:r="http://schemas.openxmlformats.org/officeDocument/2006/relationships" xmlns:p="http://schemas.openxmlformats.org/presentationml/2006/main">
+  <p:cSld>
+    <p:spTree>
+      <p:nvGrpSpPr>
+        <p:cNvPr id="1" name=""/>
+        <p:cNvGrpSpPr/>
+        <p:nvPr/>
+      </p:nvGrpSpPr>
+      <p:grpSpPr>
+        <a:xfrm>
+          <a:off x="0" y="0"/>
+          <a:ext cx="0" cy="0"/>
+          <a:chOff x="0" y="0"/>
+          <a:chExt cx="0" cy="0"/>
+        </a:xfrm>
+      </p:grpSpPr>
+      <p:sp>
+        <p:nvSpPr>
+          <p:cNvPr id="2" name="Заголовок 1"/>
+          <p:cNvSpPr>
+            <a:spLocks noGrp="1"/>
+          </p:cNvSpPr>
+          <p:nvPr>
+            <p:ph type="title"/>
+          </p:nvPr>
+        </p:nvSpPr>
+        <p:spPr>
+          <a:xfrm>
+            <a:off x="467544" y="-2266"/>
+            <a:ext cx="8183880" cy="1051560"/>
+          </a:xfrm>
+        </p:spPr>
+        <p:txBody>
+          <a:bodyPr/>
+          <a:lstStyle/>
+          <a:p>
+            <a:r>
+              <a:rPr lang="ru-RU" dirty="0" smtClean="0"/>
+              <a:t>Пример</a:t>
+            </a:r>
+            <a:endParaRPr lang="ru-RU" dirty="0"/>
+          </a:p>
+        </p:txBody>
+      </p:sp>
+      <p:pic>
+        <p:nvPicPr>
+          <p:cNvPr id="1027" name="Picture 3"/>
+          <p:cNvPicPr>
+            <a:picLocks noChangeAspect="1" noChangeArrowheads="1"/>
+          </p:cNvPicPr>
+          <p:nvPr/>
+        </p:nvPicPr>
+        <p:blipFill>
+          <a:blip r:embed="rId2">
+            <a:extLst>
+              <a:ext uri="{28A0092B-C50C-407E-A947-70E740481C1C}">
+                <a14:useLocalDpi xmlns:a14="http://schemas.microsoft.com/office/drawing/2010/main" val="0"/>
+              </a:ext>
+            </a:extLst>
+          </a:blip>
+          <a:srcRect/>
+          <a:stretch>
+            <a:fillRect/>
+          </a:stretch>
+        </p:blipFill>
+        <p:spPr bwMode="auto">
+          <a:xfrm>
+            <a:off x="5292081" y="1075173"/>
+            <a:ext cx="2626220" cy="4761502"/>
+          </a:xfrm>
+          <a:prstGeom prst="rect">
+            <a:avLst/>
+          </a:prstGeom>
+          <a:noFill/>
+          <a:ln>
+            <a:noFill/>
+          </a:ln>
+          <a:extLst>
+            <a:ext uri="{909E8E84-426E-40DD-AFC4-6F175D3DCCD1}">
+              <a14:hiddenFill xmlns:a14="http://schemas.microsoft.com/office/drawing/2010/main">
+                <a:solidFill>
+                  <a:schemeClr val="accent1"/>
+                </a:solidFill>
+              </a14:hiddenFill>
+            </a:ext>
+            <a:ext uri="{91240B29-F687-4F45-9708-019B960494DF}">
+              <a14:hiddenLine xmlns:a14="http://schemas.microsoft.com/office/drawing/2010/main" w="9525">
+                <a:solidFill>
+                  <a:schemeClr val="tx1"/>
+                </a:solidFill>
+                <a:miter lim="800000"/>
+                <a:headEnd/>
+                <a:tailEnd/>
+              </a14:hiddenLine>
+            </a:ext>
+          </a:extLst>
+        </p:spPr>
+      </p:pic>
+      <p:pic>
+        <p:nvPicPr>
+          <p:cNvPr id="1028" name="Picture 4"/>
+          <p:cNvPicPr>
+            <a:picLocks noChangeAspect="1" noChangeArrowheads="1"/>
+          </p:cNvPicPr>
+          <p:nvPr/>
+        </p:nvPicPr>
+        <p:blipFill>
+          <a:blip r:embed="rId3">
+            <a:extLst>
+              <a:ext uri="{28A0092B-C50C-407E-A947-70E740481C1C}">
+                <a14:useLocalDpi xmlns:a14="http://schemas.microsoft.com/office/drawing/2010/main" val="0"/>
+              </a:ext>
+            </a:extLst>
+          </a:blip>
+          <a:srcRect/>
+          <a:stretch>
+            <a:fillRect/>
+          </a:stretch>
+        </p:blipFill>
+        <p:spPr bwMode="auto">
+          <a:xfrm>
+            <a:off x="1178453" y="1075173"/>
+            <a:ext cx="3080103" cy="4752528"/>
+          </a:xfrm>
+          <a:prstGeom prst="rect">
+            <a:avLst/>
+          </a:prstGeom>
+          <a:noFill/>
+          <a:ln>
+            <a:noFill/>
+          </a:ln>
+          <a:extLst>
+            <a:ext uri="{909E8E84-426E-40DD-AFC4-6F175D3DCCD1}">
+              <a14:hiddenFill xmlns:a14="http://schemas.microsoft.com/office/drawing/2010/main">
+                <a:solidFill>
+                  <a:schemeClr val="accent1"/>
+                </a:solidFill>
+              </a14:hiddenFill>
+            </a:ext>
+            <a:ext uri="{91240B29-F687-4F45-9708-019B960494DF}">
+              <a14:hiddenLine xmlns:a14="http://schemas.microsoft.com/office/drawing/2010/main" w="9525">
+                <a:solidFill>
+                  <a:schemeClr val="tx1"/>
+                </a:solidFill>
+                <a:miter lim="800000"/>
+                <a:headEnd/>
+                <a:tailEnd/>
+              </a14:hiddenLine>
+            </a:ext>
+          </a:extLst>
+        </p:spPr>
+      </p:pic>
+    </p:spTree>
+    <p:extLst>
+      <p:ext uri="{BB962C8B-B14F-4D97-AF65-F5344CB8AC3E}">
+        <p14:creationId xmlns:p14="http://schemas.microsoft.com/office/powerpoint/2010/main" val="4172916603"/>
+      </p:ext>
+    </p:extLst>
+  </p:cSld>
+  <p:clrMapOvr>
+    <a:masterClrMapping/>
+  </p:clrMapOvr>
+  <p:timing>
+    <p:tnLst>
+      <p:par>
+        <p:cTn id="1" dur="indefinite" restart="never" nodeType="tmRoot"/>
+      </p:par>
+    </p:tnLst>
+  </p:timing>
+</p:sld>
+</file>
+
+<file path=ppt/slides/slide8.xml><?xml version="1.0" encoding="utf-8"?>
+<p:sld xmlns:a="http://schemas.openxmlformats.org/drawingml/2006/main" xmlns:r="http://schemas.openxmlformats.org/officeDocument/2006/relationships" xmlns:p="http://schemas.openxmlformats.org/presentationml/2006/main">
+  <p:cSld>
+    <p:spTree>
+      <p:nvGrpSpPr>
+        <p:cNvPr id="1" name=""/>
+        <p:cNvGrpSpPr/>
+        <p:nvPr/>
+      </p:nvGrpSpPr>
+      <p:grpSpPr>
+        <a:xfrm>
+          <a:off x="0" y="0"/>
+          <a:ext cx="0" cy="0"/>
+          <a:chOff x="0" y="0"/>
+          <a:chExt cx="0" cy="0"/>
+        </a:xfrm>
+      </p:grpSpPr>
+      <p:sp>
+        <p:nvSpPr>
+          <p:cNvPr id="2" name="Заголовок 1"/>
+          <p:cNvSpPr>
+            <a:spLocks noGrp="1"/>
+          </p:cNvSpPr>
+          <p:nvPr>
+            <p:ph type="title"/>
+          </p:nvPr>
+        </p:nvSpPr>
+        <p:spPr>
+          <a:xfrm>
+            <a:off x="467544" y="4653136"/>
+            <a:ext cx="8183880" cy="1051560"/>
+          </a:xfrm>
+        </p:spPr>
+        <p:txBody>
+          <a:bodyPr/>
+          <a:lstStyle/>
+          <a:p>
+            <a:r>
+              <a:rPr lang="ru-RU" dirty="0" smtClean="0"/>
+              <a:t>Дальнейшие планы</a:t>
+            </a:r>
+            <a:endParaRPr lang="ru-RU" dirty="0"/>
+          </a:p>
+        </p:txBody>
+      </p:sp>
+      <p:sp>
+        <p:nvSpPr>
+          <p:cNvPr id="3" name="Объект 2"/>
+          <p:cNvSpPr>
+            <a:spLocks noGrp="1"/>
+          </p:cNvSpPr>
+          <p:nvPr>
+            <p:ph idx="1"/>
+          </p:nvPr>
+        </p:nvSpPr>
+        <p:spPr/>
+        <p:txBody>
+          <a:bodyPr/>
+          <a:lstStyle/>
+          <a:p>
+            <a:r>
+              <a:rPr lang="ru-RU" dirty="0" smtClean="0"/>
+              <a:t>Напоминания о </a:t>
+            </a:r>
+            <a:r>
+              <a:rPr lang="ru-RU" dirty="0" err="1" smtClean="0"/>
+              <a:t>дедлайнах</a:t>
+            </a:r>
+            <a:r>
+              <a:rPr lang="ru-RU" dirty="0" smtClean="0"/>
+              <a:t>.</a:t>
+            </a:r>
+          </a:p>
+          <a:p>
+            <a:r>
+              <a:rPr lang="ru-RU" dirty="0" smtClean="0"/>
+              <a:t>Группы.</a:t>
+            </a:r>
+          </a:p>
+          <a:p>
+            <a:r>
+              <a:rPr lang="ru-RU" dirty="0" smtClean="0"/>
+              <a:t>Проверку на списывание (можно, просто в фоновом режиме запускать</a:t>
+            </a:r>
+            <a:r>
+              <a:rPr lang="en-US" dirty="0" smtClean="0"/>
+              <a:t> MOSS: Map Overlay and Statistical System</a:t>
+            </a:r>
+            <a:r>
+              <a:rPr lang="ru-RU" dirty="0" smtClean="0"/>
+              <a:t>)</a:t>
+            </a:r>
+          </a:p>
+        </p:txBody>
+      </p:sp>
+    </p:spTree>
+    <p:extLst>
+      <p:ext uri="{BB962C8B-B14F-4D97-AF65-F5344CB8AC3E}">
+        <p14:creationId xmlns:p14="http://schemas.microsoft.com/office/powerpoint/2010/main" val="3085144796"/>
+      </p:ext>
+    </p:extLst>
+  </p:cSld>
+  <p:clrMapOvr>
+    <a:masterClrMapping/>
+  </p:clrMapOvr>
+  <p:timing>
+    <p:tnLst>
+      <p:par>
+        <p:cTn id="1" dur="indefinite" restart="never" nodeType="tmRoot"/>
+      </p:par>
+    </p:tnLst>
+  </p:timing>
+</p:sld>
+</file>
+
+<file path=ppt/slides/slide9.xml><?xml version="1.0" encoding="utf-8"?>
 <p:sld xmlns:a="http://schemas.openxmlformats.org/drawingml/2006/main" xmlns:r="http://schemas.openxmlformats.org/officeDocument/2006/relationships" xmlns:p="http://schemas.openxmlformats.org/presentationml/2006/main">
   <p:cSld>
     <p:spTree>
